--- a/casestudy1/chapter_07.pptx
+++ b/casestudy1/chapter_07.pptx
@@ -2929,7 +2929,7 @@
 </file>
 
 <file path=ppt/slideMasters/slideMaster1.xml><?xml version="1.0" encoding="utf-8"?>
-<p:sldMaster xmlns:a="http://schemas.openxmlformats.org/drawingml/2006/main" xmlns:r="http://schemas.openxmlformats.org/officeDocument/2006/relationships" xmlns:p="http://schemas.openxmlformats.org/presentationml/2006/main">
+<p:sldMaster xmlns:a="http://schemas.openxmlformats.org/drawingml/2006/main" xmlns:p="http://schemas.openxmlformats.org/presentationml/2006/main" xmlns:r="http://schemas.openxmlformats.org/officeDocument/2006/relationships">
   <p:cSld>
     <p:bg>
       <p:bgRef idx="1001">
@@ -2988,7 +2988,7 @@
           </a:fontRef>
         </p:style>
         <p:txBody>
-          <a:bodyPr rtlCol="0" anchor="ctr"/>
+          <a:bodyPr anchor="ctr" rtlCol="0"/>
           <a:lstStyle/>
           <a:p>
             <a:pPr algn="ctr"/>
@@ -3016,13 +3016,13 @@
           </a:prstGeom>
         </p:spPr>
         <p:txBody>
-          <a:bodyPr vert="horz" lIns="91440" tIns="45720" rIns="91440" bIns="45720" rtlCol="0" anchor="ctr">
+          <a:bodyPr anchor="ctr" bIns="45720" lIns="91440" rIns="91440" rtlCol="0" tIns="45720" vert="horz">
             <a:normAutofit/>
           </a:bodyPr>
           <a:lstStyle/>
           <a:p>
             <a:r>
-              <a:rPr lang="en-US" dirty="0"/>
+              <a:rPr dirty="0" lang="en-US"/>
               <a:t>Click to edit Master title style</a:t>
             </a:r>
             <a:endParaRPr dirty="0"/>
@@ -3069,7 +3069,7 @@
             <a:spLocks noGrp="1"/>
           </p:cNvSpPr>
           <p:nvPr>
-            <p:ph type="body" idx="1"/>
+            <p:ph idx="1" type="body"/>
           </p:nvPr>
         </p:nvSpPr>
         <p:spPr>
@@ -3082,42 +3082,42 @@
           </a:prstGeom>
         </p:spPr>
         <p:txBody>
-          <a:bodyPr vert="horz" lIns="91440" tIns="45720" rIns="91440" bIns="45720" rtlCol="0">
+          <a:bodyPr bIns="45720" lIns="91440" rIns="91440" rtlCol="0" tIns="45720" vert="horz">
             <a:normAutofit/>
           </a:bodyPr>
           <a:lstStyle/>
           <a:p>
             <a:pPr lvl="0"/>
             <a:r>
-              <a:rPr lang="en-US" dirty="0"/>
+              <a:rPr dirty="0" lang="en-US"/>
               <a:t>Click to edit Master text styles</a:t>
             </a:r>
           </a:p>
           <a:p>
             <a:pPr lvl="1"/>
             <a:r>
-              <a:rPr lang="en-US" dirty="0"/>
+              <a:rPr dirty="0" lang="en-US"/>
               <a:t>Second level</a:t>
             </a:r>
           </a:p>
           <a:p>
             <a:pPr lvl="2"/>
             <a:r>
-              <a:rPr lang="en-US" dirty="0"/>
+              <a:rPr dirty="0" lang="en-US"/>
               <a:t>Third level</a:t>
             </a:r>
           </a:p>
           <a:p>
             <a:pPr lvl="3"/>
             <a:r>
-              <a:rPr lang="en-US" dirty="0"/>
+              <a:rPr dirty="0" lang="en-US"/>
               <a:t>Fourth level</a:t>
             </a:r>
           </a:p>
           <a:p>
             <a:pPr lvl="4"/>
             <a:r>
-              <a:rPr lang="en-US" dirty="0"/>
+              <a:rPr dirty="0" lang="en-US"/>
               <a:t>Fifth level</a:t>
             </a:r>
             <a:endParaRPr dirty="0"/>
@@ -3131,7 +3131,7 @@
             <a:spLocks noGrp="1"/>
           </p:cNvSpPr>
           <p:nvPr>
-            <p:ph type="sldNum" sz="quarter" idx="4"/>
+            <p:ph idx="4" sz="quarter" type="sldNum"/>
           </p:nvPr>
         </p:nvSpPr>
         <p:spPr>
@@ -3144,7 +3144,7 @@
           </a:prstGeom>
         </p:spPr>
         <p:txBody>
-          <a:bodyPr vert="horz" lIns="91440" tIns="45720" rIns="91440" bIns="45720" rtlCol="0" anchor="ctr"/>
+          <a:bodyPr anchor="ctr" bIns="45720" lIns="91440" rIns="91440" rtlCol="0" tIns="45720" vert="horz"/>
           <a:lstStyle>
             <a:lvl1pPr algn="r">
               <a:defRPr sz="1200">
@@ -3173,7 +3173,7 @@
             <a:spLocks noGrp="1"/>
           </p:cNvSpPr>
           <p:nvPr>
-            <p:ph type="ftr" sz="quarter" idx="3"/>
+            <p:ph idx="3" sz="quarter" type="ftr"/>
           </p:nvPr>
         </p:nvSpPr>
         <p:spPr>
@@ -3186,7 +3186,7 @@
           </a:prstGeom>
         </p:spPr>
         <p:txBody>
-          <a:bodyPr vert="horz" lIns="91440" tIns="45720" rIns="91440" bIns="45720" rtlCol="0" anchor="ctr"/>
+          <a:bodyPr anchor="ctr" bIns="45720" lIns="91440" rIns="91440" rtlCol="0" tIns="45720" vert="horz"/>
           <a:lstStyle>
             <a:lvl1pPr algn="l">
               <a:defRPr sz="1200">
@@ -3210,7 +3210,7 @@
             <a:spLocks noGrp="1"/>
           </p:cNvSpPr>
           <p:nvPr>
-            <p:ph type="dt" sz="half" idx="2"/>
+            <p:ph idx="2" sz="half" type="dt"/>
           </p:nvPr>
         </p:nvSpPr>
         <p:spPr>
@@ -3223,7 +3223,7 @@
           </a:prstGeom>
         </p:spPr>
         <p:txBody>
-          <a:bodyPr vert="horz" lIns="91440" tIns="45720" rIns="91440" bIns="45720" rtlCol="0" anchor="ctr"/>
+          <a:bodyPr anchor="ctr" bIns="45720" lIns="91440" rIns="91440" rtlCol="0" tIns="45720" vert="horz"/>
           <a:lstStyle>
             <a:lvl1pPr algn="r">
               <a:defRPr sz="1200">
@@ -3252,7 +3252,7 @@
       </p:ext>
     </p:extLst>
   </p:cSld>
-  <p:clrMap bg1="dk1" tx1="lt1" bg2="dk2" tx2="lt2" accent1="accent1" accent2="accent2" accent3="accent3" accent4="accent4" accent5="accent5" accent6="accent6" hlink="hlink" folHlink="folHlink"/>
+  <p:clrMap accent1="accent1" accent2="accent2" accent3="accent3" accent4="accent4" accent5="accent5" accent6="accent6" bg1="dk1" bg2="dk2" folHlink="folHlink" hlink="hlink" tx1="lt1" tx2="lt2"/>
   <p:sldLayoutIdLst>
     <p:sldLayoutId id="2147483649" r:id="rId1"/>
     <p:sldLayoutId id="2147483650" r:id="rId2"/>
@@ -3280,7 +3280,7 @@
   </mc:AlternateContent>
   <p:txStyles>
     <p:titleStyle>
-      <a:lvl1pPr algn="l" defTabSz="914400" rtl="0" eaLnBrk="1" latinLnBrk="0" hangingPunct="1">
+      <a:lvl1pPr algn="l" defTabSz="914400" eaLnBrk="1" hangingPunct="1" latinLnBrk="0" rtl="0">
         <a:lnSpc>
           <a:spcPct val="90000"/>
         </a:lnSpc>
@@ -3288,7 +3288,7 @@
           <a:spcPct val="0"/>
         </a:spcBef>
         <a:buNone/>
-        <a:defRPr sz="3400" kern="1200">
+        <a:defRPr kern="1200" sz="3400">
           <a:solidFill>
             <a:schemeClr val="tx1"/>
           </a:solidFill>
@@ -3299,7 +3299,7 @@
       </a:lvl1pPr>
     </p:titleStyle>
     <p:bodyStyle>
-      <a:lvl1pPr marL="274320" indent="-274320" algn="l" defTabSz="914400" rtl="0" eaLnBrk="1" latinLnBrk="0" hangingPunct="1">
+      <a:lvl1pPr algn="l" defTabSz="914400" eaLnBrk="1" hangingPunct="1" indent="-274320" latinLnBrk="0" marL="274320" rtl="0">
         <a:spcBef>
           <a:spcPts val="2200"/>
         </a:spcBef>
@@ -3308,9 +3308,9 @@
             <a:lumMod val="65000"/>
           </a:schemeClr>
         </a:buClr>
-        <a:buFont typeface="Arial" pitchFamily="34" charset="0"/>
+        <a:buFont charset="0" pitchFamily="34" typeface="Arial"/>
         <a:buChar char="•"/>
-        <a:defRPr sz="2200" kern="1200">
+        <a:defRPr kern="1200" sz="2200">
           <a:solidFill>
             <a:schemeClr val="tx1"/>
           </a:solidFill>
@@ -3319,7 +3319,7 @@
           <a:cs typeface="+mn-cs"/>
         </a:defRPr>
       </a:lvl1pPr>
-      <a:lvl2pPr marL="594360" indent="-274320" algn="l" defTabSz="914400" rtl="0" eaLnBrk="1" latinLnBrk="0" hangingPunct="1">
+      <a:lvl2pPr algn="l" defTabSz="914400" eaLnBrk="1" hangingPunct="1" indent="-274320" latinLnBrk="0" marL="594360" rtl="0">
         <a:spcBef>
           <a:spcPts val="1600"/>
         </a:spcBef>
@@ -3328,9 +3328,9 @@
             <a:lumMod val="65000"/>
           </a:schemeClr>
         </a:buClr>
-        <a:buFont typeface="Arial" pitchFamily="34" charset="0"/>
+        <a:buFont charset="0" pitchFamily="34" typeface="Arial"/>
         <a:buChar char="•"/>
-        <a:defRPr sz="2000" kern="1200">
+        <a:defRPr kern="1200" sz="2000">
           <a:solidFill>
             <a:schemeClr val="tx1"/>
           </a:solidFill>
@@ -3339,7 +3339,7 @@
           <a:cs typeface="+mn-cs"/>
         </a:defRPr>
       </a:lvl2pPr>
-      <a:lvl3pPr marL="868680" indent="-228600" algn="l" defTabSz="914400" rtl="0" eaLnBrk="1" latinLnBrk="0" hangingPunct="1">
+      <a:lvl3pPr algn="l" defTabSz="914400" eaLnBrk="1" hangingPunct="1" indent="-228600" latinLnBrk="0" marL="868680" rtl="0">
         <a:spcBef>
           <a:spcPts val="1200"/>
         </a:spcBef>
@@ -3348,9 +3348,9 @@
             <a:lumMod val="65000"/>
           </a:schemeClr>
         </a:buClr>
-        <a:buFont typeface="Arial" pitchFamily="34" charset="0"/>
+        <a:buFont charset="0" pitchFamily="34" typeface="Arial"/>
         <a:buChar char="•"/>
-        <a:defRPr sz="1800" kern="1200">
+        <a:defRPr kern="1200" sz="1800">
           <a:solidFill>
             <a:schemeClr val="tx1"/>
           </a:solidFill>
@@ -3359,7 +3359,7 @@
           <a:cs typeface="+mn-cs"/>
         </a:defRPr>
       </a:lvl3pPr>
-      <a:lvl4pPr marL="1188720" indent="-228600" algn="l" defTabSz="914400" rtl="0" eaLnBrk="1" latinLnBrk="0" hangingPunct="1">
+      <a:lvl4pPr algn="l" defTabSz="914400" eaLnBrk="1" hangingPunct="1" indent="-228600" latinLnBrk="0" marL="1188720" rtl="0">
         <a:spcBef>
           <a:spcPts val="1000"/>
         </a:spcBef>
@@ -3368,9 +3368,9 @@
             <a:lumMod val="65000"/>
           </a:schemeClr>
         </a:buClr>
-        <a:buFont typeface="Arial" pitchFamily="34" charset="0"/>
+        <a:buFont charset="0" pitchFamily="34" typeface="Arial"/>
         <a:buChar char="•"/>
-        <a:defRPr sz="1600" kern="1200">
+        <a:defRPr kern="1200" sz="1600">
           <a:solidFill>
             <a:schemeClr val="tx1"/>
           </a:solidFill>
@@ -3379,7 +3379,7 @@
           <a:cs typeface="+mn-cs"/>
         </a:defRPr>
       </a:lvl4pPr>
-      <a:lvl5pPr marL="1417320" indent="-228600" algn="l" defTabSz="914400" rtl="0" eaLnBrk="1" latinLnBrk="0" hangingPunct="1">
+      <a:lvl5pPr algn="l" defTabSz="914400" eaLnBrk="1" hangingPunct="1" indent="-228600" latinLnBrk="0" marL="1417320" rtl="0">
         <a:spcBef>
           <a:spcPts val="800"/>
         </a:spcBef>
@@ -3388,9 +3388,9 @@
             <a:lumMod val="65000"/>
           </a:schemeClr>
         </a:buClr>
-        <a:buFont typeface="Arial" pitchFamily="34" charset="0"/>
+        <a:buFont charset="0" pitchFamily="34" typeface="Arial"/>
         <a:buChar char="•"/>
-        <a:defRPr sz="1600" kern="1200">
+        <a:defRPr kern="1200" sz="1600">
           <a:solidFill>
             <a:schemeClr val="tx1"/>
           </a:solidFill>
@@ -3399,7 +3399,7 @@
           <a:cs typeface="+mn-cs"/>
         </a:defRPr>
       </a:lvl5pPr>
-      <a:lvl6pPr marL="1645920" indent="-228600" algn="l" defTabSz="914400" rtl="0" eaLnBrk="1" latinLnBrk="0" hangingPunct="1">
+      <a:lvl6pPr algn="l" defTabSz="914400" eaLnBrk="1" hangingPunct="1" indent="-228600" latinLnBrk="0" marL="1645920" rtl="0">
         <a:spcBef>
           <a:spcPts val="600"/>
         </a:spcBef>
@@ -3408,9 +3408,9 @@
             <a:lumMod val="65000"/>
           </a:schemeClr>
         </a:buClr>
-        <a:buFont typeface="Arial" pitchFamily="34" charset="0"/>
+        <a:buFont charset="0" pitchFamily="34" typeface="Arial"/>
         <a:buChar char="•"/>
-        <a:defRPr sz="1600" kern="1200">
+        <a:defRPr kern="1200" sz="1600">
           <a:solidFill>
             <a:schemeClr val="tx1"/>
           </a:solidFill>
@@ -3419,7 +3419,7 @@
           <a:cs typeface="+mn-cs"/>
         </a:defRPr>
       </a:lvl6pPr>
-      <a:lvl7pPr marL="1874520" indent="-228600" algn="l" defTabSz="914400" rtl="0" eaLnBrk="1" latinLnBrk="0" hangingPunct="1">
+      <a:lvl7pPr algn="l" defTabSz="914400" eaLnBrk="1" hangingPunct="1" indent="-228600" latinLnBrk="0" marL="1874520" rtl="0">
         <a:spcBef>
           <a:spcPts val="600"/>
         </a:spcBef>
@@ -3428,9 +3428,9 @@
             <a:lumMod val="65000"/>
           </a:schemeClr>
         </a:buClr>
-        <a:buFont typeface="Arial" pitchFamily="34" charset="0"/>
+        <a:buFont charset="0" pitchFamily="34" typeface="Arial"/>
         <a:buChar char="•"/>
-        <a:defRPr sz="1600" kern="1200">
+        <a:defRPr kern="1200" sz="1600">
           <a:solidFill>
             <a:schemeClr val="tx1"/>
           </a:solidFill>
@@ -3439,7 +3439,7 @@
           <a:cs typeface="+mn-cs"/>
         </a:defRPr>
       </a:lvl7pPr>
-      <a:lvl8pPr marL="2103120" indent="-228600" algn="l" defTabSz="914400" rtl="0" eaLnBrk="1" latinLnBrk="0" hangingPunct="1">
+      <a:lvl8pPr algn="l" defTabSz="914400" eaLnBrk="1" hangingPunct="1" indent="-228600" latinLnBrk="0" marL="2103120" rtl="0">
         <a:spcBef>
           <a:spcPts val="600"/>
         </a:spcBef>
@@ -3448,9 +3448,9 @@
             <a:lumMod val="65000"/>
           </a:schemeClr>
         </a:buClr>
-        <a:buFont typeface="Arial" pitchFamily="34" charset="0"/>
+        <a:buFont charset="0" pitchFamily="34" typeface="Arial"/>
         <a:buChar char="•"/>
-        <a:defRPr sz="1600" kern="1200">
+        <a:defRPr kern="1200" sz="1600">
           <a:solidFill>
             <a:schemeClr val="tx1"/>
           </a:solidFill>
@@ -3459,7 +3459,7 @@
           <a:cs typeface="+mn-cs"/>
         </a:defRPr>
       </a:lvl8pPr>
-      <a:lvl9pPr marL="2331720" indent="-228600" algn="l" defTabSz="914400" rtl="0" eaLnBrk="1" latinLnBrk="0" hangingPunct="1">
+      <a:lvl9pPr algn="l" defTabSz="914400" eaLnBrk="1" hangingPunct="1" indent="-228600" latinLnBrk="0" marL="2331720" rtl="0">
         <a:spcBef>
           <a:spcPts val="600"/>
         </a:spcBef>
@@ -3468,9 +3468,9 @@
             <a:lumMod val="65000"/>
           </a:schemeClr>
         </a:buClr>
-        <a:buFont typeface="Arial" pitchFamily="34" charset="0"/>
+        <a:buFont charset="0" pitchFamily="34" typeface="Arial"/>
         <a:buChar char="•"/>
-        <a:defRPr sz="1600" kern="1200">
+        <a:defRPr kern="1200" sz="1600">
           <a:solidFill>
             <a:schemeClr val="tx1"/>
           </a:solidFill>
@@ -3484,8 +3484,8 @@
       <a:defPPr>
         <a:defRPr/>
       </a:defPPr>
-      <a:lvl1pPr marL="0" algn="l" defTabSz="914400" rtl="0" eaLnBrk="1" latinLnBrk="0" hangingPunct="1">
-        <a:defRPr sz="1800" kern="1200">
+      <a:lvl1pPr algn="l" defTabSz="914400" eaLnBrk="1" hangingPunct="1" latinLnBrk="0" marL="0" rtl="0">
+        <a:defRPr kern="1200" sz="1800">
           <a:solidFill>
             <a:schemeClr val="tx1"/>
           </a:solidFill>
@@ -3494,8 +3494,8 @@
           <a:cs typeface="+mn-cs"/>
         </a:defRPr>
       </a:lvl1pPr>
-      <a:lvl2pPr marL="457200" algn="l" defTabSz="914400" rtl="0" eaLnBrk="1" latinLnBrk="0" hangingPunct="1">
-        <a:defRPr sz="1800" kern="1200">
+      <a:lvl2pPr algn="l" defTabSz="914400" eaLnBrk="1" hangingPunct="1" latinLnBrk="0" marL="457200" rtl="0">
+        <a:defRPr kern="1200" sz="1800">
           <a:solidFill>
             <a:schemeClr val="tx1"/>
           </a:solidFill>
@@ -3504,8 +3504,8 @@
           <a:cs typeface="+mn-cs"/>
         </a:defRPr>
       </a:lvl2pPr>
-      <a:lvl3pPr marL="914400" algn="l" defTabSz="914400" rtl="0" eaLnBrk="1" latinLnBrk="0" hangingPunct="1">
-        <a:defRPr sz="1800" kern="1200">
+      <a:lvl3pPr algn="l" defTabSz="914400" eaLnBrk="1" hangingPunct="1" latinLnBrk="0" marL="914400" rtl="0">
+        <a:defRPr kern="1200" sz="1800">
           <a:solidFill>
             <a:schemeClr val="tx1"/>
           </a:solidFill>
@@ -3514,8 +3514,8 @@
           <a:cs typeface="+mn-cs"/>
         </a:defRPr>
       </a:lvl3pPr>
-      <a:lvl4pPr marL="1371600" algn="l" defTabSz="914400" rtl="0" eaLnBrk="1" latinLnBrk="0" hangingPunct="1">
-        <a:defRPr sz="1800" kern="1200">
+      <a:lvl4pPr algn="l" defTabSz="914400" eaLnBrk="1" hangingPunct="1" latinLnBrk="0" marL="1371600" rtl="0">
+        <a:defRPr kern="1200" sz="1800">
           <a:solidFill>
             <a:schemeClr val="tx1"/>
           </a:solidFill>
@@ -3524,8 +3524,8 @@
           <a:cs typeface="+mn-cs"/>
         </a:defRPr>
       </a:lvl4pPr>
-      <a:lvl5pPr marL="1828800" algn="l" defTabSz="914400" rtl="0" eaLnBrk="1" latinLnBrk="0" hangingPunct="1">
-        <a:defRPr sz="1800" kern="1200">
+      <a:lvl5pPr algn="l" defTabSz="914400" eaLnBrk="1" hangingPunct="1" latinLnBrk="0" marL="1828800" rtl="0">
+        <a:defRPr kern="1200" sz="1800">
           <a:solidFill>
             <a:schemeClr val="tx1"/>
           </a:solidFill>
@@ -3534,8 +3534,8 @@
           <a:cs typeface="+mn-cs"/>
         </a:defRPr>
       </a:lvl5pPr>
-      <a:lvl6pPr marL="2286000" algn="l" defTabSz="914400" rtl="0" eaLnBrk="1" latinLnBrk="0" hangingPunct="1">
-        <a:defRPr sz="1800" kern="1200">
+      <a:lvl6pPr algn="l" defTabSz="914400" eaLnBrk="1" hangingPunct="1" latinLnBrk="0" marL="2286000" rtl="0">
+        <a:defRPr kern="1200" sz="1800">
           <a:solidFill>
             <a:schemeClr val="tx1"/>
           </a:solidFill>
@@ -3544,8 +3544,8 @@
           <a:cs typeface="+mn-cs"/>
         </a:defRPr>
       </a:lvl6pPr>
-      <a:lvl7pPr marL="2743200" algn="l" defTabSz="914400" rtl="0" eaLnBrk="1" latinLnBrk="0" hangingPunct="1">
-        <a:defRPr sz="1800" kern="1200">
+      <a:lvl7pPr algn="l" defTabSz="914400" eaLnBrk="1" hangingPunct="1" latinLnBrk="0" marL="2743200" rtl="0">
+        <a:defRPr kern="1200" sz="1800">
           <a:solidFill>
             <a:schemeClr val="tx1"/>
           </a:solidFill>
@@ -3554,8 +3554,8 @@
           <a:cs typeface="+mn-cs"/>
         </a:defRPr>
       </a:lvl7pPr>
-      <a:lvl8pPr marL="3200400" algn="l" defTabSz="914400" rtl="0" eaLnBrk="1" latinLnBrk="0" hangingPunct="1">
-        <a:defRPr sz="1800" kern="1200">
+      <a:lvl8pPr algn="l" defTabSz="914400" eaLnBrk="1" hangingPunct="1" latinLnBrk="0" marL="3200400" rtl="0">
+        <a:defRPr kern="1200" sz="1800">
           <a:solidFill>
             <a:schemeClr val="tx1"/>
           </a:solidFill>
@@ -3564,8 +3564,8 @@
           <a:cs typeface="+mn-cs"/>
         </a:defRPr>
       </a:lvl8pPr>
-      <a:lvl9pPr marL="3657600" algn="l" defTabSz="914400" rtl="0" eaLnBrk="1" latinLnBrk="0" hangingPunct="1">
-        <a:defRPr sz="1800" kern="1200">
+      <a:lvl9pPr algn="l" defTabSz="914400" eaLnBrk="1" hangingPunct="1" latinLnBrk="0" marL="3657600" rtl="0">
+        <a:defRPr kern="1200" sz="1800">
           <a:solidFill>
             <a:schemeClr val="tx1"/>
           </a:solidFill>
@@ -3941,7 +3941,7 @@
       </p:sp>
       <p:pic>
         <p:nvPicPr>
-          <p:cNvPr descr="https://www.tucsonaz.gov/files/water/img/IMG_3292.jpg" id="0" name="Picture 1"/>
+          <p:cNvPr descr="fig:  https://www.tucsonaz.gov/files/water/img/IMG_3292.jpg" id="0" name="Picture 1"/>
           <p:cNvPicPr>
             <a:picLocks noGrp="1" noChangeAspect="1"/>
           </p:cNvPicPr>
